--- a/자료/2-6조 기말 발표.pptx
+++ b/자료/2-6조 기말 발표.pptx
@@ -3824,7 +3824,7 @@
                 <a16:creationId xmlns:a16="http://schemas.microsoft.com/office/drawing/2014/main" id="{2643BE6C-86B7-4AB9-91E8-9B5DB45AC8EA}"/>
               </a:ext>
               <a:ext uri="{C183D7F6-B498-43B3-948B-1728B52AA6E4}">
-                <adec:decorative xmlns="" xmlns:adec="http://schemas.microsoft.com/office/drawing/2017/decorative" val="1"/>
+                <adec:decorative xmlns:adec="http://schemas.microsoft.com/office/drawing/2017/decorative" xmlns="" val="1"/>
               </a:ext>
             </a:extLst>
           </p:cNvPr>
@@ -4955,50 +4955,6 @@
           </a:prstGeom>
         </p:spPr>
       </p:pic>
-      <p:sp>
-        <p:nvSpPr>
-          <p:cNvPr id="5" name="직사각형 4"/>
-          <p:cNvSpPr/>
-          <p:nvPr/>
-        </p:nvSpPr>
-        <p:spPr>
-          <a:xfrm>
-            <a:off x="3112146" y="6509534"/>
-            <a:ext cx="7015455" cy="348466"/>
-          </a:xfrm>
-          <a:prstGeom prst="rect">
-            <a:avLst/>
-          </a:prstGeom>
-        </p:spPr>
-        <p:style>
-          <a:lnRef idx="2">
-            <a:schemeClr val="accent1">
-              <a:shade val="50000"/>
-            </a:schemeClr>
-          </a:lnRef>
-          <a:fillRef idx="1">
-            <a:schemeClr val="accent1"/>
-          </a:fillRef>
-          <a:effectRef idx="0">
-            <a:schemeClr val="accent1"/>
-          </a:effectRef>
-          <a:fontRef idx="minor">
-            <a:schemeClr val="lt1"/>
-          </a:fontRef>
-        </p:style>
-        <p:txBody>
-          <a:bodyPr rtlCol="0" anchor="ctr"/>
-          <a:lstStyle/>
-          <a:p>
-            <a:pPr algn="ctr"/>
-            <a:r>
-              <a:rPr lang="en-US" altLang="ko-KR" dirty="0" smtClean="0"/>
-              <a:t>&lt; personal server1 server2 … &gt;</a:t>
-            </a:r>
-            <a:endParaRPr lang="ko-KR" altLang="en-US" dirty="0"/>
-          </a:p>
-        </p:txBody>
-      </p:sp>
     </p:spTree>
     <p:extLst>
       <p:ext uri="{BB962C8B-B14F-4D97-AF65-F5344CB8AC3E}">
@@ -5221,50 +5177,6 @@
           </a:prstGeom>
         </p:spPr>
       </p:pic>
-      <p:sp>
-        <p:nvSpPr>
-          <p:cNvPr id="5" name="직사각형 4"/>
-          <p:cNvSpPr/>
-          <p:nvPr/>
-        </p:nvSpPr>
-        <p:spPr>
-          <a:xfrm>
-            <a:off x="3142210" y="6419257"/>
-            <a:ext cx="4804757" cy="348466"/>
-          </a:xfrm>
-          <a:prstGeom prst="rect">
-            <a:avLst/>
-          </a:prstGeom>
-        </p:spPr>
-        <p:style>
-          <a:lnRef idx="2">
-            <a:schemeClr val="accent1">
-              <a:shade val="50000"/>
-            </a:schemeClr>
-          </a:lnRef>
-          <a:fillRef idx="1">
-            <a:schemeClr val="accent1"/>
-          </a:fillRef>
-          <a:effectRef idx="0">
-            <a:schemeClr val="accent1"/>
-          </a:effectRef>
-          <a:fontRef idx="minor">
-            <a:schemeClr val="lt1"/>
-          </a:fontRef>
-        </p:style>
-        <p:txBody>
-          <a:bodyPr rtlCol="0" anchor="ctr"/>
-          <a:lstStyle/>
-          <a:p>
-            <a:pPr algn="ctr"/>
-            <a:r>
-              <a:rPr lang="en-US" altLang="ko-KR" dirty="0" smtClean="0"/>
-              <a:t>&lt; personal server1 server2 … &gt;</a:t>
-            </a:r>
-            <a:endParaRPr lang="ko-KR" altLang="en-US" dirty="0"/>
-          </a:p>
-        </p:txBody>
-      </p:sp>
     </p:spTree>
     <p:extLst>
       <p:ext uri="{BB962C8B-B14F-4D97-AF65-F5344CB8AC3E}">
@@ -5376,110 +5288,6 @@
           </a:prstGeom>
         </p:spPr>
       </p:pic>
-      <p:sp>
-        <p:nvSpPr>
-          <p:cNvPr id="5" name="직사각형 4"/>
-          <p:cNvSpPr/>
-          <p:nvPr/>
-        </p:nvSpPr>
-        <p:spPr>
-          <a:xfrm>
-            <a:off x="4156364" y="2908894"/>
-            <a:ext cx="1088967" cy="315883"/>
-          </a:xfrm>
-          <a:prstGeom prst="rect">
-            <a:avLst/>
-          </a:prstGeom>
-        </p:spPr>
-        <p:style>
-          <a:lnRef idx="2">
-            <a:schemeClr val="accent1">
-              <a:shade val="50000"/>
-            </a:schemeClr>
-          </a:lnRef>
-          <a:fillRef idx="1">
-            <a:schemeClr val="accent1"/>
-          </a:fillRef>
-          <a:effectRef idx="0">
-            <a:schemeClr val="accent1"/>
-          </a:effectRef>
-          <a:fontRef idx="minor">
-            <a:schemeClr val="lt1"/>
-          </a:fontRef>
-        </p:style>
-        <p:txBody>
-          <a:bodyPr rtlCol="0" anchor="ctr"/>
-          <a:lstStyle/>
-          <a:p>
-            <a:pPr algn="ctr"/>
-            <a:r>
-              <a:rPr lang="en-US" altLang="ko-KR" dirty="0" err="1" smtClean="0">
-                <a:solidFill>
-                  <a:schemeClr val="bg1"/>
-                </a:solidFill>
-              </a:rPr>
-              <a:t>chklist</a:t>
-            </a:r>
-            <a:endParaRPr lang="ko-KR" altLang="en-US" dirty="0">
-              <a:solidFill>
-                <a:schemeClr val="bg1"/>
-              </a:solidFill>
-            </a:endParaRPr>
-          </a:p>
-        </p:txBody>
-      </p:sp>
-      <p:sp>
-        <p:nvSpPr>
-          <p:cNvPr id="6" name="직사각형 5"/>
-          <p:cNvSpPr/>
-          <p:nvPr/>
-        </p:nvSpPr>
-        <p:spPr>
-          <a:xfrm>
-            <a:off x="5245331" y="2908893"/>
-            <a:ext cx="1088967" cy="315883"/>
-          </a:xfrm>
-          <a:prstGeom prst="rect">
-            <a:avLst/>
-          </a:prstGeom>
-        </p:spPr>
-        <p:style>
-          <a:lnRef idx="2">
-            <a:schemeClr val="accent1">
-              <a:shade val="50000"/>
-            </a:schemeClr>
-          </a:lnRef>
-          <a:fillRef idx="1">
-            <a:schemeClr val="accent1"/>
-          </a:fillRef>
-          <a:effectRef idx="0">
-            <a:schemeClr val="accent1"/>
-          </a:effectRef>
-          <a:fontRef idx="minor">
-            <a:schemeClr val="lt1"/>
-          </a:fontRef>
-        </p:style>
-        <p:txBody>
-          <a:bodyPr rtlCol="0" anchor="ctr"/>
-          <a:lstStyle/>
-          <a:p>
-            <a:pPr algn="ctr"/>
-            <a:r>
-              <a:rPr lang="en-US" altLang="ko-KR" dirty="0" smtClean="0">
-                <a:solidFill>
-                  <a:schemeClr val="bg1"/>
-                </a:solidFill>
-              </a:rPr>
-              <a:t>calendar</a:t>
-            </a:r>
-            <a:endParaRPr lang="ko-KR" altLang="en-US" dirty="0">
-              <a:solidFill>
-                <a:schemeClr val="bg1"/>
-              </a:solidFill>
-            </a:endParaRPr>
-          </a:p>
-        </p:txBody>
-      </p:sp>
     </p:spTree>
     <p:extLst>
       <p:ext uri="{BB962C8B-B14F-4D97-AF65-F5344CB8AC3E}">
@@ -5971,7 +5779,7 @@
                 <a16:creationId xmlns:a16="http://schemas.microsoft.com/office/drawing/2014/main" id="{E364580B-B24D-4448-B898-C13F15482BC5}"/>
               </a:ext>
               <a:ext uri="{C183D7F6-B498-43B3-948B-1728B52AA6E4}">
-                <adec:decorative xmlns="" xmlns:adec="http://schemas.microsoft.com/office/drawing/2017/decorative" val="1"/>
+                <adec:decorative xmlns:adec="http://schemas.microsoft.com/office/drawing/2017/decorative" xmlns="" val="1"/>
               </a:ext>
             </a:extLst>
           </p:cNvPr>
@@ -6047,7 +5855,7 @@
                 <a14:useLocalDpi xmlns:a14="http://schemas.microsoft.com/office/drawing/2010/main" val="0"/>
               </a:ext>
               <a:ext uri="{96DAC541-7B7A-43D3-8B79-37D633B846F1}">
-                <asvg:svgBlip xmlns="" xmlns:asvg="http://schemas.microsoft.com/office/drawing/2016/SVG/main" r:embed="rId3"/>
+                <asvg:svgBlip xmlns:asvg="http://schemas.microsoft.com/office/drawing/2016/SVG/main" xmlns="" r:embed="rId3"/>
               </a:ext>
             </a:extLst>
           </a:blip>
@@ -6073,7 +5881,7 @@
                 <a16:creationId xmlns:a16="http://schemas.microsoft.com/office/drawing/2014/main" id="{8CEBB63E-FF19-493F-9618-BFFB451DF4C5}"/>
               </a:ext>
               <a:ext uri="{C183D7F6-B498-43B3-948B-1728B52AA6E4}">
-                <adec:decorative xmlns="" xmlns:adec="http://schemas.microsoft.com/office/drawing/2017/decorative" val="1"/>
+                <adec:decorative xmlns:adec="http://schemas.microsoft.com/office/drawing/2017/decorative" xmlns="" val="1"/>
               </a:ext>
             </a:extLst>
           </p:cNvPr>
@@ -6409,7 +6217,7 @@
                 <a16:creationId xmlns:a16="http://schemas.microsoft.com/office/drawing/2014/main" id="{D8C804A4-7609-47D8-BB5B-8D52C61ACA77}"/>
               </a:ext>
               <a:ext uri="{C183D7F6-B498-43B3-948B-1728B52AA6E4}">
-                <adec:decorative xmlns="" xmlns:adec="http://schemas.microsoft.com/office/drawing/2017/decorative" val="1"/>
+                <adec:decorative xmlns:adec="http://schemas.microsoft.com/office/drawing/2017/decorative" xmlns="" val="1"/>
               </a:ext>
             </a:extLst>
           </p:cNvPr>
@@ -6470,7 +6278,7 @@
                 <a16:creationId xmlns:a16="http://schemas.microsoft.com/office/drawing/2014/main" id="{F24FF446-3FFD-414D-A319-974427F9DE97}"/>
               </a:ext>
               <a:ext uri="{C183D7F6-B498-43B3-948B-1728B52AA6E4}">
-                <adec:decorative xmlns="" xmlns:adec="http://schemas.microsoft.com/office/drawing/2017/decorative" val="1"/>
+                <adec:decorative xmlns:adec="http://schemas.microsoft.com/office/drawing/2017/decorative" xmlns="" val="1"/>
               </a:ext>
             </a:extLst>
           </p:cNvPr>
@@ -6763,7 +6571,7 @@
                 <a16:creationId xmlns:a16="http://schemas.microsoft.com/office/drawing/2014/main" id="{EF9B8DF2-C3F5-49A2-94D2-F7B65A0F1F15}"/>
               </a:ext>
               <a:ext uri="{C183D7F6-B498-43B3-948B-1728B52AA6E4}">
-                <adec:decorative xmlns="" xmlns:adec="http://schemas.microsoft.com/office/drawing/2017/decorative" val="1"/>
+                <adec:decorative xmlns:adec="http://schemas.microsoft.com/office/drawing/2017/decorative" xmlns="" val="1"/>
               </a:ext>
             </a:extLst>
           </p:cNvPr>
@@ -8658,7 +8466,7 @@
                 <a16:creationId xmlns:a16="http://schemas.microsoft.com/office/drawing/2014/main" id="{A0DE16CD-4776-464C-9A04-09A8D2C0CCEE}"/>
               </a:ext>
               <a:ext uri="{C183D7F6-B498-43B3-948B-1728B52AA6E4}">
-                <adec:decorative xmlns="" xmlns:adec="http://schemas.microsoft.com/office/drawing/2017/decorative" val="1"/>
+                <adec:decorative xmlns:adec="http://schemas.microsoft.com/office/drawing/2017/decorative" xmlns="" val="1"/>
               </a:ext>
             </a:extLst>
           </p:cNvPr>
@@ -9065,9 +8873,7 @@
           </a:xfrm>
         </p:spPr>
         <p:txBody>
-          <a:bodyPr>
-            <a:normAutofit lnSpcReduction="10000"/>
-          </a:bodyPr>
+          <a:bodyPr/>
           <a:lstStyle/>
           <a:p>
             <a:pPr marL="0" indent="0">
@@ -9085,18 +8891,6 @@
           </a:p>
           <a:p>
             <a:r>
-              <a:rPr lang="ko-KR" altLang="en-US" dirty="0" smtClean="0"/>
-              <a:t>사용 언어</a:t>
-            </a:r>
-            <a:r>
-              <a:rPr lang="en-US" altLang="ko-KR" dirty="0" smtClean="0"/>
-              <a:t>:</a:t>
-            </a:r>
-            <a:r>
-              <a:rPr lang="ko-KR" altLang="en-US" dirty="0" smtClean="0"/>
-              <a:t> </a:t>
-            </a:r>
-            <a:r>
               <a:rPr lang="en-US" altLang="ko-KR" dirty="0" smtClean="0"/>
               <a:t>C#, </a:t>
             </a:r>
@@ -9104,13 +8898,6 @@
               <a:rPr lang="en-US" altLang="ko-KR" dirty="0" err="1" smtClean="0"/>
               <a:t>Winform</a:t>
             </a:r>
-            <a:endParaRPr lang="en-US" altLang="ko-KR" dirty="0" smtClean="0"/>
-          </a:p>
-          <a:p>
-            <a:r>
-              <a:rPr lang="en-US" altLang="ko-KR" dirty="0" smtClean="0"/>
-              <a:t>DB: MySQL</a:t>
-            </a:r>
             <a:endParaRPr lang="en-US" altLang="ko-KR" dirty="0"/>
           </a:p>
           <a:p>
@@ -9118,11 +8905,11 @@
               <a:rPr lang="en-US" altLang="ko-KR" dirty="0" err="1" smtClean="0"/>
               <a:t>Git</a:t>
             </a:r>
-            <a:endParaRPr lang="en-US" altLang="ko-KR" smtClean="0"/>
-          </a:p>
-          <a:p>
-            <a:r>
-              <a:rPr lang="en-US" altLang="ko-KR" smtClean="0"/>
+            <a:endParaRPr lang="en-US" altLang="ko-KR" dirty="0"/>
+          </a:p>
+          <a:p>
+            <a:r>
+              <a:rPr lang="en-US" altLang="ko-KR" dirty="0" smtClean="0"/>
               <a:t>AWS(Amazon </a:t>
             </a:r>
             <a:r>
@@ -9271,7 +9058,7 @@
                 <a16:creationId xmlns:a16="http://schemas.microsoft.com/office/drawing/2014/main" id="{EF9B8DF2-C3F5-49A2-94D2-F7B65A0F1F15}"/>
               </a:ext>
               <a:ext uri="{C183D7F6-B498-43B3-948B-1728B52AA6E4}">
-                <adec:decorative xmlns="" xmlns:adec="http://schemas.microsoft.com/office/drawing/2017/decorative" val="1"/>
+                <adec:decorative xmlns:adec="http://schemas.microsoft.com/office/drawing/2017/decorative" xmlns="" val="1"/>
               </a:ext>
             </a:extLst>
           </p:cNvPr>
